--- a/finalproject/최종발표.pptx
+++ b/finalproject/최종발표.pptx
@@ -3943,7 +3943,7 @@
           <p:cNvPr id="1026" name="Picture 2" descr="Free vector graphics of Virus">
             <a:extLst>
               <a:ext uri="{FF2B5EF4-FFF2-40B4-BE49-F238E27FC236}">
-                <a16:creationId xmlns:a16="http://schemas.microsoft.com/office/drawing/2014/main" id="{2E66E7FB-AF78-6282-2622-8A69024ABBCD}"/>
+                <a16:creationId xmlns:a16="http://schemas.microsoft.com/office/drawing/2014/main" xmlns="" id="{2E66E7FB-AF78-6282-2622-8A69024ABBCD}"/>
               </a:ext>
             </a:extLst>
           </p:cNvPr>
@@ -4692,7 +4692,7 @@
           <p:cNvPr id="3" name="그룹 2">
             <a:extLst>
               <a:ext uri="{FF2B5EF4-FFF2-40B4-BE49-F238E27FC236}">
-                <a16:creationId xmlns:a16="http://schemas.microsoft.com/office/drawing/2014/main" id="{8E6B82F7-9A0E-000C-C1D4-4E3E6FB5B081}"/>
+                <a16:creationId xmlns:a16="http://schemas.microsoft.com/office/drawing/2014/main" xmlns="" id="{8E6B82F7-9A0E-000C-C1D4-4E3E6FB5B081}"/>
               </a:ext>
             </a:extLst>
           </p:cNvPr>
@@ -5111,7 +5111,7 @@
           <p:cNvPr id="42" name="직사각형 41">
             <a:extLst>
               <a:ext uri="{FF2B5EF4-FFF2-40B4-BE49-F238E27FC236}">
-                <a16:creationId xmlns:a16="http://schemas.microsoft.com/office/drawing/2014/main" id="{1C35A5F8-6249-6FD4-45CC-97027408B2C1}"/>
+                <a16:creationId xmlns:a16="http://schemas.microsoft.com/office/drawing/2014/main" xmlns="" id="{1C35A5F8-6249-6FD4-45CC-97027408B2C1}"/>
               </a:ext>
             </a:extLst>
           </p:cNvPr>
@@ -5209,7 +5209,7 @@
           <p:cNvPr id="46" name="그룹 45">
             <a:extLst>
               <a:ext uri="{FF2B5EF4-FFF2-40B4-BE49-F238E27FC236}">
-                <a16:creationId xmlns:a16="http://schemas.microsoft.com/office/drawing/2014/main" id="{7170CF3E-EE38-57BA-F629-EF036AC1D9A0}"/>
+                <a16:creationId xmlns:a16="http://schemas.microsoft.com/office/drawing/2014/main" xmlns="" id="{7170CF3E-EE38-57BA-F629-EF036AC1D9A0}"/>
               </a:ext>
             </a:extLst>
           </p:cNvPr>
@@ -5229,7 +5229,7 @@
             <p:cNvPr id="47" name="모서리가 둥근 직사각형 27">
               <a:extLst>
                 <a:ext uri="{FF2B5EF4-FFF2-40B4-BE49-F238E27FC236}">
-                  <a16:creationId xmlns:a16="http://schemas.microsoft.com/office/drawing/2014/main" id="{96F80A84-637E-D88D-0ECF-D3E76DEE6CE2}"/>
+                  <a16:creationId xmlns:a16="http://schemas.microsoft.com/office/drawing/2014/main" xmlns="" id="{96F80A84-637E-D88D-0ECF-D3E76DEE6CE2}"/>
                 </a:ext>
               </a:extLst>
             </p:cNvPr>
@@ -5295,7 +5295,7 @@
             <p:cNvPr id="48" name="양쪽 모서리가 둥근 사각형 28">
               <a:extLst>
                 <a:ext uri="{FF2B5EF4-FFF2-40B4-BE49-F238E27FC236}">
-                  <a16:creationId xmlns:a16="http://schemas.microsoft.com/office/drawing/2014/main" id="{6BB7FF55-201E-570A-C560-CAE98F74C9D1}"/>
+                  <a16:creationId xmlns:a16="http://schemas.microsoft.com/office/drawing/2014/main" xmlns="" id="{6BB7FF55-201E-570A-C560-CAE98F74C9D1}"/>
                 </a:ext>
               </a:extLst>
             </p:cNvPr>
@@ -5354,7 +5354,7 @@
             <p:cNvPr id="49" name="직사각형 48">
               <a:extLst>
                 <a:ext uri="{FF2B5EF4-FFF2-40B4-BE49-F238E27FC236}">
-                  <a16:creationId xmlns:a16="http://schemas.microsoft.com/office/drawing/2014/main" id="{5E2ABBE1-2C4E-3328-9CD7-3FF887F97CAC}"/>
+                  <a16:creationId xmlns:a16="http://schemas.microsoft.com/office/drawing/2014/main" xmlns="" id="{5E2ABBE1-2C4E-3328-9CD7-3FF887F97CAC}"/>
                 </a:ext>
               </a:extLst>
             </p:cNvPr>
@@ -5411,7 +5411,7 @@
             <p:cNvPr id="50" name="직사각형 49">
               <a:extLst>
                 <a:ext uri="{FF2B5EF4-FFF2-40B4-BE49-F238E27FC236}">
-                  <a16:creationId xmlns:a16="http://schemas.microsoft.com/office/drawing/2014/main" id="{D5AFF518-A4E1-32F3-4B87-DEC0B24556AD}"/>
+                  <a16:creationId xmlns:a16="http://schemas.microsoft.com/office/drawing/2014/main" xmlns="" id="{D5AFF518-A4E1-32F3-4B87-DEC0B24556AD}"/>
                 </a:ext>
               </a:extLst>
             </p:cNvPr>
@@ -5455,7 +5455,7 @@
           <p:cNvPr id="51" name="그룹 50">
             <a:extLst>
               <a:ext uri="{FF2B5EF4-FFF2-40B4-BE49-F238E27FC236}">
-                <a16:creationId xmlns:a16="http://schemas.microsoft.com/office/drawing/2014/main" id="{AA042848-D155-E16A-2DE8-FA0D4B05F543}"/>
+                <a16:creationId xmlns:a16="http://schemas.microsoft.com/office/drawing/2014/main" xmlns="" id="{AA042848-D155-E16A-2DE8-FA0D4B05F543}"/>
               </a:ext>
             </a:extLst>
           </p:cNvPr>
@@ -5475,7 +5475,7 @@
             <p:cNvPr id="52" name="모서리가 둥근 직사각형 27">
               <a:extLst>
                 <a:ext uri="{FF2B5EF4-FFF2-40B4-BE49-F238E27FC236}">
-                  <a16:creationId xmlns:a16="http://schemas.microsoft.com/office/drawing/2014/main" id="{B1F3AF7F-F1CC-9E4B-663E-FE700E030981}"/>
+                  <a16:creationId xmlns:a16="http://schemas.microsoft.com/office/drawing/2014/main" xmlns="" id="{B1F3AF7F-F1CC-9E4B-663E-FE700E030981}"/>
                 </a:ext>
               </a:extLst>
             </p:cNvPr>
@@ -5541,7 +5541,7 @@
             <p:cNvPr id="53" name="양쪽 모서리가 둥근 사각형 28">
               <a:extLst>
                 <a:ext uri="{FF2B5EF4-FFF2-40B4-BE49-F238E27FC236}">
-                  <a16:creationId xmlns:a16="http://schemas.microsoft.com/office/drawing/2014/main" id="{F2D18B2A-D721-099F-DEF7-D872FB0BFDE7}"/>
+                  <a16:creationId xmlns:a16="http://schemas.microsoft.com/office/drawing/2014/main" xmlns="" id="{F2D18B2A-D721-099F-DEF7-D872FB0BFDE7}"/>
                 </a:ext>
               </a:extLst>
             </p:cNvPr>
@@ -5600,7 +5600,7 @@
             <p:cNvPr id="54" name="직사각형 53">
               <a:extLst>
                 <a:ext uri="{FF2B5EF4-FFF2-40B4-BE49-F238E27FC236}">
-                  <a16:creationId xmlns:a16="http://schemas.microsoft.com/office/drawing/2014/main" id="{5035D9FC-6E18-FCA2-1527-BC780EFABDA8}"/>
+                  <a16:creationId xmlns:a16="http://schemas.microsoft.com/office/drawing/2014/main" xmlns="" id="{5035D9FC-6E18-FCA2-1527-BC780EFABDA8}"/>
                 </a:ext>
               </a:extLst>
             </p:cNvPr>
@@ -5661,7 +5661,7 @@
             <p:cNvPr id="55" name="직사각형 54">
               <a:extLst>
                 <a:ext uri="{FF2B5EF4-FFF2-40B4-BE49-F238E27FC236}">
-                  <a16:creationId xmlns:a16="http://schemas.microsoft.com/office/drawing/2014/main" id="{C38B3D7A-DF54-9439-306F-3DE1EFF23E18}"/>
+                  <a16:creationId xmlns:a16="http://schemas.microsoft.com/office/drawing/2014/main" xmlns="" id="{C38B3D7A-DF54-9439-306F-3DE1EFF23E18}"/>
                 </a:ext>
               </a:extLst>
             </p:cNvPr>
@@ -5705,7 +5705,7 @@
           <p:cNvPr id="2050" name="Picture 2" descr="Free vector graphics of Covid19">
             <a:extLst>
               <a:ext uri="{FF2B5EF4-FFF2-40B4-BE49-F238E27FC236}">
-                <a16:creationId xmlns:a16="http://schemas.microsoft.com/office/drawing/2014/main" id="{BB2F96AC-AE8A-F758-9E37-91C0407FF160}"/>
+                <a16:creationId xmlns:a16="http://schemas.microsoft.com/office/drawing/2014/main" xmlns="" id="{BB2F96AC-AE8A-F758-9E37-91C0407FF160}"/>
               </a:ext>
             </a:extLst>
           </p:cNvPr>
@@ -6506,7 +6506,7 @@
           <p:cNvPr id="80" name="사각형: 둥근 모서리 4">
             <a:extLst>
               <a:ext uri="{FF2B5EF4-FFF2-40B4-BE49-F238E27FC236}">
-                <a16:creationId xmlns:a16="http://schemas.microsoft.com/office/drawing/2014/main" id="{09CE5959-0D78-46D2-9860-E5C7A4D34A72}"/>
+                <a16:creationId xmlns:a16="http://schemas.microsoft.com/office/drawing/2014/main" xmlns="" id="{09CE5959-0D78-46D2-9860-E5C7A4D34A72}"/>
               </a:ext>
             </a:extLst>
           </p:cNvPr>
@@ -6597,7 +6597,7 @@
           <p:cNvPr id="81" name="사각형: 둥근 모서리 5">
             <a:extLst>
               <a:ext uri="{FF2B5EF4-FFF2-40B4-BE49-F238E27FC236}">
-                <a16:creationId xmlns:a16="http://schemas.microsoft.com/office/drawing/2014/main" id="{E0EB1664-FDFE-4923-9888-CB17C72720CE}"/>
+                <a16:creationId xmlns:a16="http://schemas.microsoft.com/office/drawing/2014/main" xmlns="" id="{E0EB1664-FDFE-4923-9888-CB17C72720CE}"/>
               </a:ext>
             </a:extLst>
           </p:cNvPr>
@@ -6669,7 +6669,7 @@
           <p:cNvPr id="83" name="TextBox 82">
             <a:extLst>
               <a:ext uri="{FF2B5EF4-FFF2-40B4-BE49-F238E27FC236}">
-                <a16:creationId xmlns:a16="http://schemas.microsoft.com/office/drawing/2014/main" id="{D7A4DD1C-4839-45EA-9AAB-1A57C4104FAF}"/>
+                <a16:creationId xmlns:a16="http://schemas.microsoft.com/office/drawing/2014/main" xmlns="" id="{D7A4DD1C-4839-45EA-9AAB-1A57C4104FAF}"/>
               </a:ext>
             </a:extLst>
           </p:cNvPr>
@@ -6736,7 +6736,7 @@
           <p:cNvPr id="88" name="TextBox 87">
             <a:extLst>
               <a:ext uri="{FF2B5EF4-FFF2-40B4-BE49-F238E27FC236}">
-                <a16:creationId xmlns:a16="http://schemas.microsoft.com/office/drawing/2014/main" id="{F40F6D64-FBD4-4681-86F5-EC317C8A7BA6}"/>
+                <a16:creationId xmlns:a16="http://schemas.microsoft.com/office/drawing/2014/main" xmlns="" id="{F40F6D64-FBD4-4681-86F5-EC317C8A7BA6}"/>
               </a:ext>
             </a:extLst>
           </p:cNvPr>
@@ -7132,7 +7132,7 @@
           <p:cNvPr id="90" name="TextBox 89">
             <a:extLst>
               <a:ext uri="{FF2B5EF4-FFF2-40B4-BE49-F238E27FC236}">
-                <a16:creationId xmlns:a16="http://schemas.microsoft.com/office/drawing/2014/main" id="{8A3621D7-FADB-47C7-854C-4BDBB088D7BA}"/>
+                <a16:creationId xmlns:a16="http://schemas.microsoft.com/office/drawing/2014/main" xmlns="" id="{8A3621D7-FADB-47C7-854C-4BDBB088D7BA}"/>
               </a:ext>
             </a:extLst>
           </p:cNvPr>
@@ -7199,7 +7199,7 @@
           <p:cNvPr id="97" name="TextBox 96">
             <a:extLst>
               <a:ext uri="{FF2B5EF4-FFF2-40B4-BE49-F238E27FC236}">
-                <a16:creationId xmlns:a16="http://schemas.microsoft.com/office/drawing/2014/main" id="{590ECC92-C933-4D18-9F27-FD7AC64EAFE4}"/>
+                <a16:creationId xmlns:a16="http://schemas.microsoft.com/office/drawing/2014/main" xmlns="" id="{590ECC92-C933-4D18-9F27-FD7AC64EAFE4}"/>
               </a:ext>
             </a:extLst>
           </p:cNvPr>
@@ -7266,7 +7266,7 @@
           <p:cNvPr id="103" name="직선 연결선 102">
             <a:extLst>
               <a:ext uri="{FF2B5EF4-FFF2-40B4-BE49-F238E27FC236}">
-                <a16:creationId xmlns:a16="http://schemas.microsoft.com/office/drawing/2014/main" id="{5A0CD142-015D-4F5B-B108-3EDA4FF6EBF7}"/>
+                <a16:creationId xmlns:a16="http://schemas.microsoft.com/office/drawing/2014/main" xmlns="" id="{5A0CD142-015D-4F5B-B108-3EDA4FF6EBF7}"/>
               </a:ext>
             </a:extLst>
           </p:cNvPr>
@@ -7312,7 +7312,7 @@
           <p:cNvPr id="104" name="직선 연결선 103">
             <a:extLst>
               <a:ext uri="{FF2B5EF4-FFF2-40B4-BE49-F238E27FC236}">
-                <a16:creationId xmlns:a16="http://schemas.microsoft.com/office/drawing/2014/main" id="{22217D9E-8F96-45A9-BF07-205F55625DDC}"/>
+                <a16:creationId xmlns:a16="http://schemas.microsoft.com/office/drawing/2014/main" xmlns="" id="{22217D9E-8F96-45A9-BF07-205F55625DDC}"/>
               </a:ext>
             </a:extLst>
           </p:cNvPr>
@@ -7358,7 +7358,7 @@
           <p:cNvPr id="57" name="직선 연결선 56">
             <a:extLst>
               <a:ext uri="{FF2B5EF4-FFF2-40B4-BE49-F238E27FC236}">
-                <a16:creationId xmlns:a16="http://schemas.microsoft.com/office/drawing/2014/main" id="{725A44AE-8582-B48D-27F4-FD418FDCFB6B}"/>
+                <a16:creationId xmlns:a16="http://schemas.microsoft.com/office/drawing/2014/main" xmlns="" id="{725A44AE-8582-B48D-27F4-FD418FDCFB6B}"/>
               </a:ext>
             </a:extLst>
           </p:cNvPr>
@@ -7404,7 +7404,7 @@
           <p:cNvPr id="58" name="직선 연결선 57">
             <a:extLst>
               <a:ext uri="{FF2B5EF4-FFF2-40B4-BE49-F238E27FC236}">
-                <a16:creationId xmlns:a16="http://schemas.microsoft.com/office/drawing/2014/main" id="{98CAF6DD-4F21-A1B3-9936-8FFC1298D28F}"/>
+                <a16:creationId xmlns:a16="http://schemas.microsoft.com/office/drawing/2014/main" xmlns="" id="{98CAF6DD-4F21-A1B3-9936-8FFC1298D28F}"/>
               </a:ext>
             </a:extLst>
           </p:cNvPr>
@@ -7450,7 +7450,7 @@
           <p:cNvPr id="59" name="직선 연결선 58">
             <a:extLst>
               <a:ext uri="{FF2B5EF4-FFF2-40B4-BE49-F238E27FC236}">
-                <a16:creationId xmlns:a16="http://schemas.microsoft.com/office/drawing/2014/main" id="{424867F0-8676-BE80-98FF-8DEDE24C56A4}"/>
+                <a16:creationId xmlns:a16="http://schemas.microsoft.com/office/drawing/2014/main" xmlns="" id="{424867F0-8676-BE80-98FF-8DEDE24C56A4}"/>
               </a:ext>
             </a:extLst>
           </p:cNvPr>
@@ -7496,7 +7496,7 @@
           <p:cNvPr id="35" name="그룹 34">
             <a:extLst>
               <a:ext uri="{FF2B5EF4-FFF2-40B4-BE49-F238E27FC236}">
-                <a16:creationId xmlns:a16="http://schemas.microsoft.com/office/drawing/2014/main" id="{1F0C2E5B-29D0-E170-B21F-B3A1C572E452}"/>
+                <a16:creationId xmlns:a16="http://schemas.microsoft.com/office/drawing/2014/main" xmlns="" id="{1F0C2E5B-29D0-E170-B21F-B3A1C572E452}"/>
               </a:ext>
             </a:extLst>
           </p:cNvPr>
@@ -7516,7 +7516,7 @@
             <p:cNvPr id="36" name="Picture 6" descr="https://mblogthumb-phinf.pstatic.net/MjAxOTA3MTdfMjI0/MDAxNTYzMzY4OTMyOTMy.vu84HL4xt9Y3dcQhuNkmbut9YylPR6Vr6Ar3aA6g0Ogg.V1V1blBntGdD5aj3iUeu7aPyFGCLkATd-QjaeUu024Mg.PNG.noksek0615/267C964756B5409139.png?type=w800">
               <a:extLst>
                 <a:ext uri="{FF2B5EF4-FFF2-40B4-BE49-F238E27FC236}">
-                  <a16:creationId xmlns:a16="http://schemas.microsoft.com/office/drawing/2014/main" id="{67981A3E-DFE6-7BC2-A35A-3523FA2C311F}"/>
+                  <a16:creationId xmlns:a16="http://schemas.microsoft.com/office/drawing/2014/main" xmlns="" id="{67981A3E-DFE6-7BC2-A35A-3523FA2C311F}"/>
                 </a:ext>
               </a:extLst>
             </p:cNvPr>
@@ -7563,7 +7563,7 @@
             <p:cNvPr id="37" name="모서리가 둥근 직사각형 6">
               <a:extLst>
                 <a:ext uri="{FF2B5EF4-FFF2-40B4-BE49-F238E27FC236}">
-                  <a16:creationId xmlns:a16="http://schemas.microsoft.com/office/drawing/2014/main" id="{97703E3C-612F-109C-811B-F339E503EE52}"/>
+                  <a16:creationId xmlns:a16="http://schemas.microsoft.com/office/drawing/2014/main" xmlns="" id="{97703E3C-612F-109C-811B-F339E503EE52}"/>
                 </a:ext>
               </a:extLst>
             </p:cNvPr>
@@ -7623,7 +7623,7 @@
             <p:cNvPr id="39" name="모서리가 둥근 직사각형 10">
               <a:extLst>
                 <a:ext uri="{FF2B5EF4-FFF2-40B4-BE49-F238E27FC236}">
-                  <a16:creationId xmlns:a16="http://schemas.microsoft.com/office/drawing/2014/main" id="{586C78B3-888F-B2E0-7576-F676F4161C48}"/>
+                  <a16:creationId xmlns:a16="http://schemas.microsoft.com/office/drawing/2014/main" xmlns="" id="{586C78B3-888F-B2E0-7576-F676F4161C48}"/>
                 </a:ext>
               </a:extLst>
             </p:cNvPr>
@@ -7703,7 +7703,7 @@
             <p:cNvPr id="40" name="모서리가 둥근 직사각형 11">
               <a:extLst>
                 <a:ext uri="{FF2B5EF4-FFF2-40B4-BE49-F238E27FC236}">
-                  <a16:creationId xmlns:a16="http://schemas.microsoft.com/office/drawing/2014/main" id="{5363DB56-38C0-57FA-886D-C7D1E1CD8750}"/>
+                  <a16:creationId xmlns:a16="http://schemas.microsoft.com/office/drawing/2014/main" xmlns="" id="{5363DB56-38C0-57FA-886D-C7D1E1CD8750}"/>
                 </a:ext>
               </a:extLst>
             </p:cNvPr>
@@ -7770,7 +7770,7 @@
             <p:cNvPr id="41" name="모서리가 둥근 직사각형 12">
               <a:extLst>
                 <a:ext uri="{FF2B5EF4-FFF2-40B4-BE49-F238E27FC236}">
-                  <a16:creationId xmlns:a16="http://schemas.microsoft.com/office/drawing/2014/main" id="{EC278151-C225-13F6-78A7-92128C017B22}"/>
+                  <a16:creationId xmlns:a16="http://schemas.microsoft.com/office/drawing/2014/main" xmlns="" id="{EC278151-C225-13F6-78A7-92128C017B22}"/>
                 </a:ext>
               </a:extLst>
             </p:cNvPr>
@@ -7850,7 +7850,7 @@
             <p:cNvPr id="42" name="모서리가 둥근 직사각형 13">
               <a:extLst>
                 <a:ext uri="{FF2B5EF4-FFF2-40B4-BE49-F238E27FC236}">
-                  <a16:creationId xmlns:a16="http://schemas.microsoft.com/office/drawing/2014/main" id="{A56C6B9D-76E5-E8A6-DE70-F4BDA74D9135}"/>
+                  <a16:creationId xmlns:a16="http://schemas.microsoft.com/office/drawing/2014/main" xmlns="" id="{A56C6B9D-76E5-E8A6-DE70-F4BDA74D9135}"/>
                 </a:ext>
               </a:extLst>
             </p:cNvPr>
@@ -7953,7 +7953,7 @@
             <p:cNvPr id="43" name="모서리가 둥근 직사각형 16">
               <a:extLst>
                 <a:ext uri="{FF2B5EF4-FFF2-40B4-BE49-F238E27FC236}">
-                  <a16:creationId xmlns:a16="http://schemas.microsoft.com/office/drawing/2014/main" id="{8F2DC483-007A-9B32-7D1F-2EDD0D484B40}"/>
+                  <a16:creationId xmlns:a16="http://schemas.microsoft.com/office/drawing/2014/main" xmlns="" id="{8F2DC483-007A-9B32-7D1F-2EDD0D484B40}"/>
                 </a:ext>
               </a:extLst>
             </p:cNvPr>
@@ -8020,7 +8020,7 @@
             <p:cNvPr id="44" name="모서리가 둥근 직사각형 19">
               <a:extLst>
                 <a:ext uri="{FF2B5EF4-FFF2-40B4-BE49-F238E27FC236}">
-                  <a16:creationId xmlns:a16="http://schemas.microsoft.com/office/drawing/2014/main" id="{8928BAF2-6E5A-4E75-7F85-31E1AE48ACC1}"/>
+                  <a16:creationId xmlns:a16="http://schemas.microsoft.com/office/drawing/2014/main" xmlns="" id="{8928BAF2-6E5A-4E75-7F85-31E1AE48ACC1}"/>
                 </a:ext>
               </a:extLst>
             </p:cNvPr>
@@ -8120,7 +8120,7 @@
             <p:cNvPr id="45" name="모서리가 둥근 직사각형 21">
               <a:extLst>
                 <a:ext uri="{FF2B5EF4-FFF2-40B4-BE49-F238E27FC236}">
-                  <a16:creationId xmlns:a16="http://schemas.microsoft.com/office/drawing/2014/main" id="{4930F3FF-C674-97C9-2DC8-A56608AA2DD9}"/>
+                  <a16:creationId xmlns:a16="http://schemas.microsoft.com/office/drawing/2014/main" xmlns="" id="{4930F3FF-C674-97C9-2DC8-A56608AA2DD9}"/>
                 </a:ext>
               </a:extLst>
             </p:cNvPr>
@@ -8207,7 +8207,7 @@
             <p:cNvPr id="46" name="모서리가 둥근 직사각형 22">
               <a:extLst>
                 <a:ext uri="{FF2B5EF4-FFF2-40B4-BE49-F238E27FC236}">
-                  <a16:creationId xmlns:a16="http://schemas.microsoft.com/office/drawing/2014/main" id="{9D5A0F2F-6046-80C7-96D1-B2E406972C32}"/>
+                  <a16:creationId xmlns:a16="http://schemas.microsoft.com/office/drawing/2014/main" xmlns="" id="{9D5A0F2F-6046-80C7-96D1-B2E406972C32}"/>
                 </a:ext>
               </a:extLst>
             </p:cNvPr>
@@ -8287,7 +8287,7 @@
             <p:cNvPr id="47" name="모서리가 둥근 직사각형 23">
               <a:extLst>
                 <a:ext uri="{FF2B5EF4-FFF2-40B4-BE49-F238E27FC236}">
-                  <a16:creationId xmlns:a16="http://schemas.microsoft.com/office/drawing/2014/main" id="{ACABA39D-A988-0621-6535-70FAC75CF5C0}"/>
+                  <a16:creationId xmlns:a16="http://schemas.microsoft.com/office/drawing/2014/main" xmlns="" id="{ACABA39D-A988-0621-6535-70FAC75CF5C0}"/>
                 </a:ext>
               </a:extLst>
             </p:cNvPr>
@@ -8348,7 +8348,7 @@
           <p:cNvPr id="34" name="모서리가 둥근 직사각형 13">
             <a:extLst>
               <a:ext uri="{FF2B5EF4-FFF2-40B4-BE49-F238E27FC236}">
-                <a16:creationId xmlns:a16="http://schemas.microsoft.com/office/drawing/2014/main" id="{A56C6B9D-76E5-E8A6-DE70-F4BDA74D9135}"/>
+                <a16:creationId xmlns:a16="http://schemas.microsoft.com/office/drawing/2014/main" xmlns="" id="{A56C6B9D-76E5-E8A6-DE70-F4BDA74D9135}"/>
               </a:ext>
             </a:extLst>
           </p:cNvPr>
@@ -8415,7 +8415,7 @@
           <p:cNvPr id="48" name="모서리가 둥근 직사각형 10">
             <a:extLst>
               <a:ext uri="{FF2B5EF4-FFF2-40B4-BE49-F238E27FC236}">
-                <a16:creationId xmlns:a16="http://schemas.microsoft.com/office/drawing/2014/main" id="{CBB55A30-315A-6B14-1A2D-57ECCB0BCA04}"/>
+                <a16:creationId xmlns:a16="http://schemas.microsoft.com/office/drawing/2014/main" xmlns="" id="{CBB55A30-315A-6B14-1A2D-57ECCB0BCA04}"/>
               </a:ext>
             </a:extLst>
           </p:cNvPr>
@@ -8482,7 +8482,7 @@
           <p:cNvPr id="49" name="모서리가 둥근 직사각형 10">
             <a:extLst>
               <a:ext uri="{FF2B5EF4-FFF2-40B4-BE49-F238E27FC236}">
-                <a16:creationId xmlns:a16="http://schemas.microsoft.com/office/drawing/2014/main" id="{2CCD918C-9FB6-1417-03B4-F1993046FF82}"/>
+                <a16:creationId xmlns:a16="http://schemas.microsoft.com/office/drawing/2014/main" xmlns="" id="{2CCD918C-9FB6-1417-03B4-F1993046FF82}"/>
               </a:ext>
             </a:extLst>
           </p:cNvPr>
@@ -8549,7 +8549,7 @@
           <p:cNvPr id="50" name="모서리가 둥근 직사각형 10">
             <a:extLst>
               <a:ext uri="{FF2B5EF4-FFF2-40B4-BE49-F238E27FC236}">
-                <a16:creationId xmlns:a16="http://schemas.microsoft.com/office/drawing/2014/main" id="{CCB99DB1-44E0-F0D2-DAAA-983190336730}"/>
+                <a16:creationId xmlns:a16="http://schemas.microsoft.com/office/drawing/2014/main" xmlns="" id="{CCB99DB1-44E0-F0D2-DAAA-983190336730}"/>
               </a:ext>
             </a:extLst>
           </p:cNvPr>
@@ -9193,7 +9193,7 @@
           <p:cNvPr id="87" name="사각형: 둥근 모서리 4">
             <a:extLst>
               <a:ext uri="{FF2B5EF4-FFF2-40B4-BE49-F238E27FC236}">
-                <a16:creationId xmlns:a16="http://schemas.microsoft.com/office/drawing/2014/main" id="{ABC0E14A-3394-B428-5DF8-6934FA3A4852}"/>
+                <a16:creationId xmlns:a16="http://schemas.microsoft.com/office/drawing/2014/main" xmlns="" id="{ABC0E14A-3394-B428-5DF8-6934FA3A4852}"/>
               </a:ext>
             </a:extLst>
           </p:cNvPr>
@@ -9268,7 +9268,7 @@
           <p:cNvPr id="4" name="그림 3">
             <a:extLst>
               <a:ext uri="{FF2B5EF4-FFF2-40B4-BE49-F238E27FC236}">
-                <a16:creationId xmlns:a16="http://schemas.microsoft.com/office/drawing/2014/main" id="{2355BAA8-DE16-61BB-3467-D5CA9A8176CF}"/>
+                <a16:creationId xmlns:a16="http://schemas.microsoft.com/office/drawing/2014/main" xmlns="" id="{2355BAA8-DE16-61BB-3467-D5CA9A8176CF}"/>
               </a:ext>
             </a:extLst>
           </p:cNvPr>
@@ -9298,7 +9298,7 @@
           <p:cNvPr id="88" name="TextBox 87">
             <a:extLst>
               <a:ext uri="{FF2B5EF4-FFF2-40B4-BE49-F238E27FC236}">
-                <a16:creationId xmlns:a16="http://schemas.microsoft.com/office/drawing/2014/main" id="{8D66C7A6-0A35-64F8-B61A-7A9E4B777A33}"/>
+                <a16:creationId xmlns:a16="http://schemas.microsoft.com/office/drawing/2014/main" xmlns="" id="{8D66C7A6-0A35-64F8-B61A-7A9E4B777A33}"/>
               </a:ext>
             </a:extLst>
           </p:cNvPr>
@@ -9495,7 +9495,7 @@
           <p:cNvPr id="89" name="직사각형 88">
             <a:extLst>
               <a:ext uri="{FF2B5EF4-FFF2-40B4-BE49-F238E27FC236}">
-                <a16:creationId xmlns:a16="http://schemas.microsoft.com/office/drawing/2014/main" id="{16906754-6D57-5A2B-71EA-0E1FA466505C}"/>
+                <a16:creationId xmlns:a16="http://schemas.microsoft.com/office/drawing/2014/main" xmlns="" id="{16906754-6D57-5A2B-71EA-0E1FA466505C}"/>
               </a:ext>
             </a:extLst>
           </p:cNvPr>
@@ -10124,7 +10124,7 @@
           <p:cNvPr id="87" name="사각형: 둥근 모서리 4">
             <a:extLst>
               <a:ext uri="{FF2B5EF4-FFF2-40B4-BE49-F238E27FC236}">
-                <a16:creationId xmlns:a16="http://schemas.microsoft.com/office/drawing/2014/main" id="{ABC0E14A-3394-B428-5DF8-6934FA3A4852}"/>
+                <a16:creationId xmlns:a16="http://schemas.microsoft.com/office/drawing/2014/main" xmlns="" id="{ABC0E14A-3394-B428-5DF8-6934FA3A4852}"/>
               </a:ext>
             </a:extLst>
           </p:cNvPr>
@@ -10202,7 +10202,7 @@
           <p:cNvPr id="16" name="사각형: 둥근 모서리 4">
             <a:extLst>
               <a:ext uri="{FF2B5EF4-FFF2-40B4-BE49-F238E27FC236}">
-                <a16:creationId xmlns:a16="http://schemas.microsoft.com/office/drawing/2014/main" id="{34ED931F-7D43-AA6B-BDAB-68C9E5979F8C}"/>
+                <a16:creationId xmlns:a16="http://schemas.microsoft.com/office/drawing/2014/main" xmlns="" id="{34ED931F-7D43-AA6B-BDAB-68C9E5979F8C}"/>
               </a:ext>
             </a:extLst>
           </p:cNvPr>
@@ -10272,7 +10272,7 @@
           <p:cNvPr id="17" name="사각형: 둥근 모서리 4">
             <a:extLst>
               <a:ext uri="{FF2B5EF4-FFF2-40B4-BE49-F238E27FC236}">
-                <a16:creationId xmlns:a16="http://schemas.microsoft.com/office/drawing/2014/main" id="{01F8A687-244C-B827-E113-BBAB46DCEE42}"/>
+                <a16:creationId xmlns:a16="http://schemas.microsoft.com/office/drawing/2014/main" xmlns="" id="{01F8A687-244C-B827-E113-BBAB46DCEE42}"/>
               </a:ext>
             </a:extLst>
           </p:cNvPr>
@@ -10342,7 +10342,7 @@
           <p:cNvPr id="18" name="사각형: 둥근 모서리 4">
             <a:extLst>
               <a:ext uri="{FF2B5EF4-FFF2-40B4-BE49-F238E27FC236}">
-                <a16:creationId xmlns:a16="http://schemas.microsoft.com/office/drawing/2014/main" id="{7E7578FC-BE60-B051-B680-B5A7B0A58187}"/>
+                <a16:creationId xmlns:a16="http://schemas.microsoft.com/office/drawing/2014/main" xmlns="" id="{7E7578FC-BE60-B051-B680-B5A7B0A58187}"/>
               </a:ext>
             </a:extLst>
           </p:cNvPr>
@@ -10412,7 +10412,7 @@
           <p:cNvPr id="19" name="사각형: 둥근 모서리 4">
             <a:extLst>
               <a:ext uri="{FF2B5EF4-FFF2-40B4-BE49-F238E27FC236}">
-                <a16:creationId xmlns:a16="http://schemas.microsoft.com/office/drawing/2014/main" id="{92AF5180-948A-AFB1-45BB-6CB09B552815}"/>
+                <a16:creationId xmlns:a16="http://schemas.microsoft.com/office/drawing/2014/main" xmlns="" id="{92AF5180-948A-AFB1-45BB-6CB09B552815}"/>
               </a:ext>
             </a:extLst>
           </p:cNvPr>
@@ -10498,7 +10498,7 @@
           <p:cNvPr id="20" name="사각형: 둥근 모서리 4">
             <a:extLst>
               <a:ext uri="{FF2B5EF4-FFF2-40B4-BE49-F238E27FC236}">
-                <a16:creationId xmlns:a16="http://schemas.microsoft.com/office/drawing/2014/main" id="{6BBD69D5-736E-BC31-ABFD-6A6CCBE44554}"/>
+                <a16:creationId xmlns:a16="http://schemas.microsoft.com/office/drawing/2014/main" xmlns="" id="{6BBD69D5-736E-BC31-ABFD-6A6CCBE44554}"/>
               </a:ext>
             </a:extLst>
           </p:cNvPr>
@@ -10568,7 +10568,7 @@
           <p:cNvPr id="4" name="화살표: 오른쪽 3">
             <a:extLst>
               <a:ext uri="{FF2B5EF4-FFF2-40B4-BE49-F238E27FC236}">
-                <a16:creationId xmlns:a16="http://schemas.microsoft.com/office/drawing/2014/main" id="{40150E16-2888-E9F3-9ECD-9E1A170C5767}"/>
+                <a16:creationId xmlns:a16="http://schemas.microsoft.com/office/drawing/2014/main" xmlns="" id="{40150E16-2888-E9F3-9ECD-9E1A170C5767}"/>
               </a:ext>
             </a:extLst>
           </p:cNvPr>
@@ -10623,7 +10623,7 @@
           <p:cNvPr id="24" name="사각형: 둥근 모서리 4">
             <a:extLst>
               <a:ext uri="{FF2B5EF4-FFF2-40B4-BE49-F238E27FC236}">
-                <a16:creationId xmlns:a16="http://schemas.microsoft.com/office/drawing/2014/main" id="{05E0E5D3-A043-C775-4EF7-F656A0DCE913}"/>
+                <a16:creationId xmlns:a16="http://schemas.microsoft.com/office/drawing/2014/main" xmlns="" id="{05E0E5D3-A043-C775-4EF7-F656A0DCE913}"/>
               </a:ext>
             </a:extLst>
           </p:cNvPr>
@@ -10709,7 +10709,7 @@
           <p:cNvPr id="25" name="사각형: 둥근 모서리 4">
             <a:extLst>
               <a:ext uri="{FF2B5EF4-FFF2-40B4-BE49-F238E27FC236}">
-                <a16:creationId xmlns:a16="http://schemas.microsoft.com/office/drawing/2014/main" id="{ACB864BA-9F12-09DD-51CC-18C9BB949B6B}"/>
+                <a16:creationId xmlns:a16="http://schemas.microsoft.com/office/drawing/2014/main" xmlns="" id="{ACB864BA-9F12-09DD-51CC-18C9BB949B6B}"/>
               </a:ext>
             </a:extLst>
           </p:cNvPr>
@@ -10795,7 +10795,7 @@
           <p:cNvPr id="26" name="사각형: 둥근 모서리 4">
             <a:extLst>
               <a:ext uri="{FF2B5EF4-FFF2-40B4-BE49-F238E27FC236}">
-                <a16:creationId xmlns:a16="http://schemas.microsoft.com/office/drawing/2014/main" id="{216E2762-FF93-64F8-CD1B-EEFA31DDDB8D}"/>
+                <a16:creationId xmlns:a16="http://schemas.microsoft.com/office/drawing/2014/main" xmlns="" id="{216E2762-FF93-64F8-CD1B-EEFA31DDDB8D}"/>
               </a:ext>
             </a:extLst>
           </p:cNvPr>
@@ -10881,7 +10881,7 @@
           <p:cNvPr id="27" name="사각형: 둥근 모서리 4">
             <a:extLst>
               <a:ext uri="{FF2B5EF4-FFF2-40B4-BE49-F238E27FC236}">
-                <a16:creationId xmlns:a16="http://schemas.microsoft.com/office/drawing/2014/main" id="{E984C881-A2D6-D565-9FF7-C1D89B6C5FCC}"/>
+                <a16:creationId xmlns:a16="http://schemas.microsoft.com/office/drawing/2014/main" xmlns="" id="{E984C881-A2D6-D565-9FF7-C1D89B6C5FCC}"/>
               </a:ext>
             </a:extLst>
           </p:cNvPr>
@@ -10967,7 +10967,7 @@
           <p:cNvPr id="28" name="사각형: 둥근 모서리 4">
             <a:extLst>
               <a:ext uri="{FF2B5EF4-FFF2-40B4-BE49-F238E27FC236}">
-                <a16:creationId xmlns:a16="http://schemas.microsoft.com/office/drawing/2014/main" id="{72CF5109-2BD2-48CF-1AD6-D7BC87A45375}"/>
+                <a16:creationId xmlns:a16="http://schemas.microsoft.com/office/drawing/2014/main" xmlns="" id="{72CF5109-2BD2-48CF-1AD6-D7BC87A45375}"/>
               </a:ext>
             </a:extLst>
           </p:cNvPr>
@@ -11053,7 +11053,7 @@
           <p:cNvPr id="29" name="사각형: 둥근 모서리 4">
             <a:extLst>
               <a:ext uri="{FF2B5EF4-FFF2-40B4-BE49-F238E27FC236}">
-                <a16:creationId xmlns:a16="http://schemas.microsoft.com/office/drawing/2014/main" id="{919BE7C0-5001-08B1-2D3A-5F0D2DC32F36}"/>
+                <a16:creationId xmlns:a16="http://schemas.microsoft.com/office/drawing/2014/main" xmlns="" id="{919BE7C0-5001-08B1-2D3A-5F0D2DC32F36}"/>
               </a:ext>
             </a:extLst>
           </p:cNvPr>
@@ -11139,7 +11139,7 @@
           <p:cNvPr id="30" name="사각형: 둥근 모서리 4">
             <a:extLst>
               <a:ext uri="{FF2B5EF4-FFF2-40B4-BE49-F238E27FC236}">
-                <a16:creationId xmlns:a16="http://schemas.microsoft.com/office/drawing/2014/main" id="{45F30345-F3F7-3D30-AE96-3EE5F497BE6C}"/>
+                <a16:creationId xmlns:a16="http://schemas.microsoft.com/office/drawing/2014/main" xmlns="" id="{45F30345-F3F7-3D30-AE96-3EE5F497BE6C}"/>
               </a:ext>
             </a:extLst>
           </p:cNvPr>
@@ -11225,7 +11225,7 @@
           <p:cNvPr id="31" name="사각형: 둥근 모서리 4">
             <a:extLst>
               <a:ext uri="{FF2B5EF4-FFF2-40B4-BE49-F238E27FC236}">
-                <a16:creationId xmlns:a16="http://schemas.microsoft.com/office/drawing/2014/main" id="{CA6767D7-D47D-52C0-FCE0-E567762879F4}"/>
+                <a16:creationId xmlns:a16="http://schemas.microsoft.com/office/drawing/2014/main" xmlns="" id="{CA6767D7-D47D-52C0-FCE0-E567762879F4}"/>
               </a:ext>
             </a:extLst>
           </p:cNvPr>
@@ -11311,7 +11311,7 @@
           <p:cNvPr id="32" name="사각형: 둥근 모서리 4">
             <a:extLst>
               <a:ext uri="{FF2B5EF4-FFF2-40B4-BE49-F238E27FC236}">
-                <a16:creationId xmlns:a16="http://schemas.microsoft.com/office/drawing/2014/main" id="{E2E5B40C-E3E5-E442-435A-24D298A314DE}"/>
+                <a16:creationId xmlns:a16="http://schemas.microsoft.com/office/drawing/2014/main" xmlns="" id="{E2E5B40C-E3E5-E442-435A-24D298A314DE}"/>
               </a:ext>
             </a:extLst>
           </p:cNvPr>
@@ -11397,7 +11397,7 @@
           <p:cNvPr id="33" name="사각형: 둥근 모서리 4">
             <a:extLst>
               <a:ext uri="{FF2B5EF4-FFF2-40B4-BE49-F238E27FC236}">
-                <a16:creationId xmlns:a16="http://schemas.microsoft.com/office/drawing/2014/main" id="{C821A33D-DB1B-FF5A-8459-8FE4B50062BE}"/>
+                <a16:creationId xmlns:a16="http://schemas.microsoft.com/office/drawing/2014/main" xmlns="" id="{C821A33D-DB1B-FF5A-8459-8FE4B50062BE}"/>
               </a:ext>
             </a:extLst>
           </p:cNvPr>
@@ -11483,7 +11483,7 @@
           <p:cNvPr id="34" name="사각형: 둥근 모서리 4">
             <a:extLst>
               <a:ext uri="{FF2B5EF4-FFF2-40B4-BE49-F238E27FC236}">
-                <a16:creationId xmlns:a16="http://schemas.microsoft.com/office/drawing/2014/main" id="{6810B311-6426-3CC4-6E10-D9094E883319}"/>
+                <a16:creationId xmlns:a16="http://schemas.microsoft.com/office/drawing/2014/main" xmlns="" id="{6810B311-6426-3CC4-6E10-D9094E883319}"/>
               </a:ext>
             </a:extLst>
           </p:cNvPr>
@@ -11569,7 +11569,7 @@
           <p:cNvPr id="35" name="사각형: 둥근 모서리 4">
             <a:extLst>
               <a:ext uri="{FF2B5EF4-FFF2-40B4-BE49-F238E27FC236}">
-                <a16:creationId xmlns:a16="http://schemas.microsoft.com/office/drawing/2014/main" id="{3F40BCCF-07CE-1052-E621-30720EC8105C}"/>
+                <a16:creationId xmlns:a16="http://schemas.microsoft.com/office/drawing/2014/main" xmlns="" id="{3F40BCCF-07CE-1052-E621-30720EC8105C}"/>
               </a:ext>
             </a:extLst>
           </p:cNvPr>
@@ -11655,7 +11655,7 @@
           <p:cNvPr id="36" name="사각형: 둥근 모서리 4">
             <a:extLst>
               <a:ext uri="{FF2B5EF4-FFF2-40B4-BE49-F238E27FC236}">
-                <a16:creationId xmlns:a16="http://schemas.microsoft.com/office/drawing/2014/main" id="{1E222B4E-E5A4-0E26-E413-69441C8641FE}"/>
+                <a16:creationId xmlns:a16="http://schemas.microsoft.com/office/drawing/2014/main" xmlns="" id="{1E222B4E-E5A4-0E26-E413-69441C8641FE}"/>
               </a:ext>
             </a:extLst>
           </p:cNvPr>
@@ -11725,7 +11725,7 @@
           <p:cNvPr id="10" name="사각형: 둥근 모서리 9">
             <a:extLst>
               <a:ext uri="{FF2B5EF4-FFF2-40B4-BE49-F238E27FC236}">
-                <a16:creationId xmlns:a16="http://schemas.microsoft.com/office/drawing/2014/main" id="{F5EB085E-6827-46DB-C9D9-71A22A871B4F}"/>
+                <a16:creationId xmlns:a16="http://schemas.microsoft.com/office/drawing/2014/main" xmlns="" id="{F5EB085E-6827-46DB-C9D9-71A22A871B4F}"/>
               </a:ext>
             </a:extLst>
           </p:cNvPr>
@@ -11772,7 +11772,7 @@
           <p:cNvPr id="11" name="화살표: 아래쪽 10">
             <a:extLst>
               <a:ext uri="{FF2B5EF4-FFF2-40B4-BE49-F238E27FC236}">
-                <a16:creationId xmlns:a16="http://schemas.microsoft.com/office/drawing/2014/main" id="{B158001F-DAD9-D838-435E-1B485E14E228}"/>
+                <a16:creationId xmlns:a16="http://schemas.microsoft.com/office/drawing/2014/main" xmlns="" id="{B158001F-DAD9-D838-435E-1B485E14E228}"/>
               </a:ext>
             </a:extLst>
           </p:cNvPr>
@@ -12324,7 +12324,7 @@
           <p:cNvPr id="87" name="사각형: 둥근 모서리 4">
             <a:extLst>
               <a:ext uri="{FF2B5EF4-FFF2-40B4-BE49-F238E27FC236}">
-                <a16:creationId xmlns:a16="http://schemas.microsoft.com/office/drawing/2014/main" id="{ABC0E14A-3394-B428-5DF8-6934FA3A4852}"/>
+                <a16:creationId xmlns:a16="http://schemas.microsoft.com/office/drawing/2014/main" xmlns="" id="{ABC0E14A-3394-B428-5DF8-6934FA3A4852}"/>
               </a:ext>
             </a:extLst>
           </p:cNvPr>
@@ -12402,7 +12402,7 @@
           <p:cNvPr id="19" name="사각형: 둥근 모서리 4">
             <a:extLst>
               <a:ext uri="{FF2B5EF4-FFF2-40B4-BE49-F238E27FC236}">
-                <a16:creationId xmlns:a16="http://schemas.microsoft.com/office/drawing/2014/main" id="{92AF5180-948A-AFB1-45BB-6CB09B552815}"/>
+                <a16:creationId xmlns:a16="http://schemas.microsoft.com/office/drawing/2014/main" xmlns="" id="{92AF5180-948A-AFB1-45BB-6CB09B552815}"/>
               </a:ext>
             </a:extLst>
           </p:cNvPr>
@@ -12488,7 +12488,7 @@
           <p:cNvPr id="20" name="사각형: 둥근 모서리 4">
             <a:extLst>
               <a:ext uri="{FF2B5EF4-FFF2-40B4-BE49-F238E27FC236}">
-                <a16:creationId xmlns:a16="http://schemas.microsoft.com/office/drawing/2014/main" id="{6BBD69D5-736E-BC31-ABFD-6A6CCBE44554}"/>
+                <a16:creationId xmlns:a16="http://schemas.microsoft.com/office/drawing/2014/main" xmlns="" id="{6BBD69D5-736E-BC31-ABFD-6A6CCBE44554}"/>
               </a:ext>
             </a:extLst>
           </p:cNvPr>
@@ -12558,7 +12558,7 @@
           <p:cNvPr id="4" name="화살표: 오른쪽 3">
             <a:extLst>
               <a:ext uri="{FF2B5EF4-FFF2-40B4-BE49-F238E27FC236}">
-                <a16:creationId xmlns:a16="http://schemas.microsoft.com/office/drawing/2014/main" id="{40150E16-2888-E9F3-9ECD-9E1A170C5767}"/>
+                <a16:creationId xmlns:a16="http://schemas.microsoft.com/office/drawing/2014/main" xmlns="" id="{40150E16-2888-E9F3-9ECD-9E1A170C5767}"/>
               </a:ext>
             </a:extLst>
           </p:cNvPr>
@@ -12613,7 +12613,7 @@
           <p:cNvPr id="37" name="사각형: 둥근 모서리 4">
             <a:extLst>
               <a:ext uri="{FF2B5EF4-FFF2-40B4-BE49-F238E27FC236}">
-                <a16:creationId xmlns:a16="http://schemas.microsoft.com/office/drawing/2014/main" id="{EFAFCC4D-91F3-45AC-70B5-7D7C1AD9B83A}"/>
+                <a16:creationId xmlns:a16="http://schemas.microsoft.com/office/drawing/2014/main" xmlns="" id="{EFAFCC4D-91F3-45AC-70B5-7D7C1AD9B83A}"/>
               </a:ext>
             </a:extLst>
           </p:cNvPr>
@@ -12683,7 +12683,7 @@
           <p:cNvPr id="39" name="화살표: 오른쪽 38">
             <a:extLst>
               <a:ext uri="{FF2B5EF4-FFF2-40B4-BE49-F238E27FC236}">
-                <a16:creationId xmlns:a16="http://schemas.microsoft.com/office/drawing/2014/main" id="{135C63EF-7471-D7F1-786F-3C17141E7395}"/>
+                <a16:creationId xmlns:a16="http://schemas.microsoft.com/office/drawing/2014/main" xmlns="" id="{135C63EF-7471-D7F1-786F-3C17141E7395}"/>
               </a:ext>
             </a:extLst>
           </p:cNvPr>
@@ -13287,7 +13287,7 @@
           <p:cNvPr id="87" name="사각형: 둥근 모서리 4">
             <a:extLst>
               <a:ext uri="{FF2B5EF4-FFF2-40B4-BE49-F238E27FC236}">
-                <a16:creationId xmlns:a16="http://schemas.microsoft.com/office/drawing/2014/main" id="{ABC0E14A-3394-B428-5DF8-6934FA3A4852}"/>
+                <a16:creationId xmlns:a16="http://schemas.microsoft.com/office/drawing/2014/main" xmlns="" id="{ABC0E14A-3394-B428-5DF8-6934FA3A4852}"/>
               </a:ext>
             </a:extLst>
           </p:cNvPr>
@@ -13349,7 +13349,7 @@
           <p:cNvPr id="15" name="TextBox 14">
             <a:extLst>
               <a:ext uri="{FF2B5EF4-FFF2-40B4-BE49-F238E27FC236}">
-                <a16:creationId xmlns:a16="http://schemas.microsoft.com/office/drawing/2014/main" id="{85514950-8E7A-4ED6-D6A5-69FC54058193}"/>
+                <a16:creationId xmlns:a16="http://schemas.microsoft.com/office/drawing/2014/main" xmlns="" id="{85514950-8E7A-4ED6-D6A5-69FC54058193}"/>
               </a:ext>
             </a:extLst>
           </p:cNvPr>
@@ -13359,7 +13359,7 @@
         <p:spPr>
           <a:xfrm>
             <a:off x="645624" y="2384799"/>
-            <a:ext cx="9373357" cy="2862322"/>
+            <a:ext cx="9799954" cy="2031325"/>
           </a:xfrm>
           <a:prstGeom prst="rect">
             <a:avLst/>
@@ -13377,7 +13377,7 @@
               <a:buChar char="•"/>
             </a:pPr>
             <a:r>
-              <a:rPr lang="en-US" altLang="ko-KR" sz="1500" b="0" i="0" u="none" strike="noStrike" baseline="0" dirty="0" err="1">
+              <a:rPr lang="en-US" altLang="ko-KR" b="0" i="0" u="none" strike="noStrike" baseline="0" dirty="0" err="1">
                 <a:solidFill>
                   <a:srgbClr val="000000"/>
                 </a:solidFill>
@@ -13386,7 +13386,7 @@
               <a:t>OpenAPI</a:t>
             </a:r>
             <a:r>
-              <a:rPr lang="en-US" altLang="ko-KR" sz="1500" b="0" i="0" u="none" strike="noStrike" baseline="0" dirty="0">
+              <a:rPr lang="en-US" altLang="ko-KR" b="0" i="0" u="none" strike="noStrike" baseline="0" dirty="0">
                 <a:solidFill>
                   <a:srgbClr val="000000"/>
                 </a:solidFill>
@@ -13395,7 +13395,7 @@
               <a:t> </a:t>
             </a:r>
             <a:r>
-              <a:rPr lang="ko-KR" altLang="en-US" sz="1500" b="0" i="0" u="none" strike="noStrike" baseline="0" dirty="0">
+              <a:rPr lang="ko-KR" altLang="en-US" b="0" i="0" u="none" strike="noStrike" baseline="0" dirty="0">
                 <a:solidFill>
                   <a:srgbClr val="000000"/>
                 </a:solidFill>
@@ -13404,7 +13404,7 @@
               <a:t>연동된 검색 기능 </a:t>
             </a:r>
             <a:r>
-              <a:rPr lang="en-US" altLang="ko-KR" sz="1500" b="0" i="0" u="none" strike="noStrike" baseline="0" dirty="0">
+              <a:rPr lang="en-US" altLang="ko-KR" b="0" i="0" u="none" strike="noStrike" baseline="0" dirty="0">
                 <a:solidFill>
                   <a:srgbClr val="000000"/>
                 </a:solidFill>
@@ -13413,7 +13413,7 @@
               <a:t>(GUI</a:t>
             </a:r>
             <a:r>
-              <a:rPr lang="ko-KR" altLang="en-US" sz="1500" b="0" i="0" u="none" strike="noStrike" baseline="0" dirty="0">
+              <a:rPr lang="ko-KR" altLang="en-US" b="0" i="0" u="none" strike="noStrike" baseline="0" dirty="0">
                 <a:solidFill>
                   <a:srgbClr val="000000"/>
                 </a:solidFill>
@@ -13422,7 +13422,7 @@
               <a:t>를 통해 필터링 가능해야 하고 그때그때 </a:t>
             </a:r>
             <a:r>
-              <a:rPr lang="en-US" altLang="ko-KR" sz="1500" b="0" i="0" u="none" strike="noStrike" baseline="0" dirty="0">
+              <a:rPr lang="en-US" altLang="ko-KR" b="0" i="0" u="none" strike="noStrike" baseline="0" dirty="0">
                 <a:solidFill>
                   <a:srgbClr val="000000"/>
                 </a:solidFill>
@@ -13431,7 +13431,7 @@
               <a:t>REST API </a:t>
             </a:r>
             <a:r>
-              <a:rPr lang="ko-KR" altLang="en-US" sz="1500" b="0" i="0" u="none" strike="noStrike" baseline="0" dirty="0">
+              <a:rPr lang="ko-KR" altLang="en-US" b="0" i="0" u="none" strike="noStrike" baseline="0" dirty="0">
                 <a:solidFill>
                   <a:srgbClr val="000000"/>
                 </a:solidFill>
@@ -13440,7 +13440,7 @@
               <a:t>이용</a:t>
             </a:r>
             <a:r>
-              <a:rPr lang="en-US" altLang="ko-KR" sz="1500" b="0" i="0" u="none" strike="noStrike" baseline="0" dirty="0">
+              <a:rPr lang="en-US" altLang="ko-KR" b="0" i="0" u="none" strike="noStrike" baseline="0" dirty="0">
                 <a:solidFill>
                   <a:srgbClr val="000000"/>
                 </a:solidFill>
@@ -13455,7 +13455,7 @@
               <a:buChar char="•"/>
             </a:pPr>
             <a:r>
-              <a:rPr lang="en-US" altLang="ko-KR" sz="1500" b="0" i="0" u="none" strike="noStrike" baseline="0" dirty="0">
+              <a:rPr lang="en-US" altLang="ko-KR" b="0" i="0" u="none" strike="noStrike" baseline="0" dirty="0">
                 <a:solidFill>
                   <a:srgbClr val="000000"/>
                 </a:solidFill>
@@ -13464,7 +13464,7 @@
               <a:t>C/C++ </a:t>
             </a:r>
             <a:r>
-              <a:rPr lang="ko-KR" altLang="en-US" sz="1500" b="0" i="0" u="none" strike="noStrike" baseline="0" dirty="0">
+              <a:rPr lang="ko-KR" altLang="en-US" b="0" i="0" u="none" strike="noStrike" baseline="0" dirty="0">
                 <a:solidFill>
                   <a:srgbClr val="000000"/>
                 </a:solidFill>
@@ -13472,7 +13472,7 @@
               </a:rPr>
               <a:t>연동</a:t>
             </a:r>
-            <a:endParaRPr lang="en-US" altLang="ko-KR" sz="1500" b="0" i="0" u="none" strike="noStrike" baseline="0" dirty="0">
+            <a:endParaRPr lang="en-US" altLang="ko-KR" b="0" i="0" u="none" strike="noStrike" baseline="0" dirty="0">
               <a:solidFill>
                 <a:srgbClr val="000000"/>
               </a:solidFill>
@@ -13485,121 +13485,31 @@
               <a:buChar char="•"/>
             </a:pPr>
             <a:r>
-              <a:rPr lang="ko-KR" altLang="en-US" sz="1500" b="0" i="0" u="none" strike="noStrike" baseline="0" dirty="0" err="1">
+              <a:rPr lang="ko-KR" altLang="en-US" b="0" i="0" u="none" strike="noStrike" baseline="0" dirty="0" err="1" smtClean="0">
                 <a:solidFill>
                   <a:srgbClr val="000000"/>
                 </a:solidFill>
                 <a:latin typeface="+mj-lt"/>
               </a:rPr>
-              <a:t>배포본</a:t>
-            </a:r>
-            <a:r>
-              <a:rPr lang="ko-KR" altLang="en-US" sz="1500" b="0" i="0" u="none" strike="noStrike" baseline="0" dirty="0">
+              <a:t>이메일</a:t>
+            </a:r>
+            <a:r>
+              <a:rPr lang="en-US" altLang="ko-KR" b="0" i="0" u="none" strike="noStrike" baseline="0" dirty="0">
                 <a:solidFill>
                   <a:srgbClr val="000000"/>
                 </a:solidFill>
                 <a:latin typeface="+mj-lt"/>
               </a:rPr>
-              <a:t> 활용한 데모 </a:t>
-            </a:r>
-            <a:r>
-              <a:rPr lang="en-US" altLang="ko-KR" sz="1500" b="0" i="0" u="none" strike="noStrike" baseline="0" dirty="0">
+              <a:t>:  HTML </a:t>
+            </a:r>
+            <a:r>
+              <a:rPr lang="ko-KR" altLang="en-US" b="0" i="0" u="none" strike="noStrike" baseline="0" dirty="0">
                 <a:solidFill>
                   <a:srgbClr val="000000"/>
                 </a:solidFill>
                 <a:latin typeface="+mj-lt"/>
               </a:rPr>
-              <a:t>(</a:t>
-            </a:r>
-            <a:r>
-              <a:rPr lang="ko-KR" altLang="en-US" sz="1500" b="0" i="0" u="none" strike="noStrike" baseline="0" dirty="0">
-                <a:solidFill>
-                  <a:srgbClr val="000000"/>
-                </a:solidFill>
-                <a:latin typeface="+mj-lt"/>
-              </a:rPr>
-              <a:t>묶은 후 압축해제</a:t>
-            </a:r>
-            <a:r>
-              <a:rPr lang="en-US" altLang="ko-KR" sz="1500" b="0" i="0" u="none" strike="noStrike" baseline="0" dirty="0">
-                <a:solidFill>
-                  <a:srgbClr val="000000"/>
-                </a:solidFill>
-                <a:latin typeface="+mj-lt"/>
-              </a:rPr>
-              <a:t>, </a:t>
-            </a:r>
-            <a:r>
-              <a:rPr lang="ko-KR" altLang="en-US" sz="1500" b="0" i="0" u="none" strike="noStrike" baseline="0" dirty="0">
-                <a:solidFill>
-                  <a:srgbClr val="000000"/>
-                </a:solidFill>
-                <a:latin typeface="+mj-lt"/>
-              </a:rPr>
-              <a:t>설치</a:t>
-            </a:r>
-            <a:r>
-              <a:rPr lang="en-US" altLang="ko-KR" sz="1500" b="0" i="0" u="none" strike="noStrike" baseline="0" dirty="0">
-                <a:solidFill>
-                  <a:srgbClr val="000000"/>
-                </a:solidFill>
-                <a:latin typeface="+mj-lt"/>
-              </a:rPr>
-              <a:t>, </a:t>
-            </a:r>
-            <a:r>
-              <a:rPr lang="ko-KR" altLang="en-US" sz="1500" b="0" i="0" u="none" strike="noStrike" baseline="0" dirty="0">
-                <a:solidFill>
-                  <a:srgbClr val="000000"/>
-                </a:solidFill>
-                <a:latin typeface="+mj-lt"/>
-              </a:rPr>
-              <a:t>탐색기에서 </a:t>
-            </a:r>
-            <a:r>
-              <a:rPr lang="en-US" altLang="ko-KR" sz="1500" b="0" i="0" u="none" strike="noStrike" baseline="0" dirty="0">
-                <a:solidFill>
-                  <a:srgbClr val="000000"/>
-                </a:solidFill>
-                <a:latin typeface="+mj-lt"/>
-              </a:rPr>
-              <a:t>site-packages </a:t>
-            </a:r>
-            <a:r>
-              <a:rPr lang="ko-KR" altLang="en-US" sz="1500" b="0" i="0" u="none" strike="noStrike" baseline="0" dirty="0">
-                <a:solidFill>
-                  <a:srgbClr val="000000"/>
-                </a:solidFill>
-                <a:latin typeface="+mj-lt"/>
-              </a:rPr>
-              <a:t>파일을 </a:t>
-            </a:r>
-            <a:r>
-              <a:rPr lang="en-US" altLang="ko-KR" sz="1500" b="0" i="0" u="none" strike="noStrike" baseline="0" dirty="0">
-                <a:solidFill>
-                  <a:srgbClr val="000000"/>
-                </a:solidFill>
-                <a:latin typeface="+mj-lt"/>
-              </a:rPr>
-              <a:t>double click</a:t>
-            </a:r>
-            <a:r>
-              <a:rPr lang="ko-KR" altLang="en-US" sz="1500" b="0" i="0" u="none" strike="noStrike" baseline="0" dirty="0">
-                <a:solidFill>
-                  <a:srgbClr val="000000"/>
-                </a:solidFill>
-                <a:latin typeface="+mj-lt"/>
-              </a:rPr>
-              <a:t>하여 시연</a:t>
-            </a:r>
-            <a:r>
-              <a:rPr lang="en-US" altLang="ko-KR" sz="1500" b="0" i="0" u="none" strike="noStrike" baseline="0" dirty="0">
-                <a:solidFill>
-                  <a:srgbClr val="000000"/>
-                </a:solidFill>
-                <a:latin typeface="+mj-lt"/>
-              </a:rPr>
-              <a:t>)</a:t>
+              <a:t>형태로 상황에 맞는 내용을 보내기</a:t>
             </a:r>
           </a:p>
           <a:p>
@@ -13608,31 +13518,31 @@
               <a:buChar char="•"/>
             </a:pPr>
             <a:r>
-              <a:rPr lang="ko-KR" altLang="en-US" sz="1500" b="0" i="0" u="none" strike="noStrike" baseline="0" dirty="0">
+              <a:rPr lang="ko-KR" altLang="en-US" b="0" i="0" u="none" strike="noStrike" baseline="0" dirty="0">
                 <a:solidFill>
                   <a:srgbClr val="000000"/>
                 </a:solidFill>
                 <a:latin typeface="+mj-lt"/>
               </a:rPr>
-              <a:t>이메일</a:t>
-            </a:r>
-            <a:r>
-              <a:rPr lang="en-US" altLang="ko-KR" sz="1500" b="0" i="0" u="none" strike="noStrike" baseline="0" dirty="0">
+              <a:t>지도</a:t>
+            </a:r>
+            <a:r>
+              <a:rPr lang="en-US" altLang="ko-KR" b="0" i="0" u="none" strike="noStrike" baseline="0" dirty="0">
                 <a:solidFill>
                   <a:srgbClr val="000000"/>
                 </a:solidFill>
                 <a:latin typeface="+mj-lt"/>
               </a:rPr>
-              <a:t>:  HTML </a:t>
-            </a:r>
-            <a:r>
-              <a:rPr lang="ko-KR" altLang="en-US" sz="1500" b="0" i="0" u="none" strike="noStrike" baseline="0" dirty="0">
+              <a:t>:  </a:t>
+            </a:r>
+            <a:r>
+              <a:rPr lang="ko-KR" altLang="en-US" b="0" i="0" u="none" strike="noStrike" baseline="0" dirty="0">
                 <a:solidFill>
                   <a:srgbClr val="000000"/>
                 </a:solidFill>
                 <a:latin typeface="+mj-lt"/>
               </a:rPr>
-              <a:t>형태로 상황에 맞는 내용을 보내기</a:t>
+              <a:t>상황에 맞는 지도 표시</a:t>
             </a:r>
           </a:p>
           <a:p>
@@ -13641,16 +13551,16 @@
               <a:buChar char="•"/>
             </a:pPr>
             <a:r>
-              <a:rPr lang="ko-KR" altLang="en-US" sz="1500" b="0" i="0" u="none" strike="noStrike" baseline="0" dirty="0">
+              <a:rPr lang="ko-KR" altLang="en-US" b="0" i="0" u="none" strike="noStrike" baseline="0" dirty="0">
                 <a:solidFill>
                   <a:srgbClr val="000000"/>
                 </a:solidFill>
                 <a:latin typeface="+mj-lt"/>
               </a:rPr>
-              <a:t>지도</a:t>
-            </a:r>
-            <a:r>
-              <a:rPr lang="en-US" altLang="ko-KR" sz="1500" b="0" i="0" u="none" strike="noStrike" baseline="0" dirty="0">
+              <a:t>그래프</a:t>
+            </a:r>
+            <a:r>
+              <a:rPr lang="en-US" altLang="ko-KR" b="0" i="0" u="none" strike="noStrike" baseline="0" dirty="0">
                 <a:solidFill>
                   <a:srgbClr val="000000"/>
                 </a:solidFill>
@@ -13659,13 +13569,13 @@
               <a:t>:  </a:t>
             </a:r>
             <a:r>
-              <a:rPr lang="ko-KR" altLang="en-US" sz="1500" b="0" i="0" u="none" strike="noStrike" baseline="0" dirty="0">
+              <a:rPr lang="ko-KR" altLang="en-US" b="0" i="0" u="none" strike="noStrike" baseline="0" dirty="0">
                 <a:solidFill>
                   <a:srgbClr val="000000"/>
                 </a:solidFill>
                 <a:latin typeface="+mj-lt"/>
               </a:rPr>
-              <a:t>상황에 맞는 지도 표시</a:t>
+              <a:t>상황에 맞는 그래프 표시</a:t>
             </a:r>
           </a:p>
           <a:p>
@@ -13674,16 +13584,16 @@
               <a:buChar char="•"/>
             </a:pPr>
             <a:r>
-              <a:rPr lang="ko-KR" altLang="en-US" sz="1500" b="0" i="0" u="none" strike="noStrike" baseline="0" dirty="0">
+              <a:rPr lang="ko-KR" altLang="en-US" b="0" i="0" u="none" strike="noStrike" baseline="0" dirty="0">
                 <a:solidFill>
                   <a:srgbClr val="000000"/>
                 </a:solidFill>
                 <a:latin typeface="+mj-lt"/>
               </a:rPr>
-              <a:t>그래프</a:t>
-            </a:r>
-            <a:r>
-              <a:rPr lang="en-US" altLang="ko-KR" sz="1500" b="0" i="0" u="none" strike="noStrike" baseline="0" dirty="0">
+              <a:t>이미지</a:t>
+            </a:r>
+            <a:r>
+              <a:rPr lang="en-US" altLang="ko-KR" b="0" i="0" u="none" strike="noStrike" baseline="0" dirty="0">
                 <a:solidFill>
                   <a:srgbClr val="000000"/>
                 </a:solidFill>
@@ -13692,13 +13602,13 @@
               <a:t>:  </a:t>
             </a:r>
             <a:r>
-              <a:rPr lang="ko-KR" altLang="en-US" sz="1500" b="0" i="0" u="none" strike="noStrike" baseline="0" dirty="0">
+              <a:rPr lang="ko-KR" altLang="en-US" b="0" i="0" u="none" strike="noStrike" baseline="0" dirty="0">
                 <a:solidFill>
                   <a:srgbClr val="000000"/>
                 </a:solidFill>
                 <a:latin typeface="+mj-lt"/>
               </a:rPr>
-              <a:t>상황에 맞는 그래프 표시</a:t>
+              <a:t>상태 변화에 따라 다른 그림 표시</a:t>
             </a:r>
           </a:p>
           <a:p>
@@ -13707,372 +13617,54 @@
               <a:buChar char="•"/>
             </a:pPr>
             <a:r>
-              <a:rPr lang="ko-KR" altLang="en-US" sz="1500" b="0" i="0" u="none" strike="noStrike" baseline="0" dirty="0">
+              <a:rPr lang="ko-KR" altLang="en-US" b="0" i="0" u="none" strike="noStrike" baseline="0" dirty="0" err="1">
                 <a:solidFill>
                   <a:srgbClr val="000000"/>
                 </a:solidFill>
                 <a:latin typeface="+mj-lt"/>
               </a:rPr>
-              <a:t>이미지</a:t>
-            </a:r>
-            <a:r>
-              <a:rPr lang="en-US" altLang="ko-KR" sz="1500" b="0" i="0" u="none" strike="noStrike" baseline="0" dirty="0">
+              <a:t>텔레그램</a:t>
+            </a:r>
+            <a:r>
+              <a:rPr lang="ko-KR" altLang="en-US" b="0" i="0" u="none" strike="noStrike" baseline="0" dirty="0">
                 <a:solidFill>
                   <a:srgbClr val="000000"/>
                 </a:solidFill>
                 <a:latin typeface="+mj-lt"/>
               </a:rPr>
+              <a:t> 연동</a:t>
+            </a:r>
+            <a:r>
+              <a:rPr lang="en-US" altLang="ko-KR" b="0" i="0" u="none" strike="noStrike" baseline="0" dirty="0">
+                <a:solidFill>
+                  <a:srgbClr val="000000"/>
+                </a:solidFill>
+                <a:latin typeface="+mj-lt"/>
+              </a:rPr>
               <a:t>:  </a:t>
             </a:r>
             <a:r>
-              <a:rPr lang="ko-KR" altLang="en-US" sz="1500" b="0" i="0" u="none" strike="noStrike" baseline="0" dirty="0">
+              <a:rPr lang="ko-KR" altLang="en-US" b="0" i="0" u="none" strike="noStrike" baseline="0" dirty="0">
                 <a:solidFill>
                   <a:srgbClr val="000000"/>
                 </a:solidFill>
                 <a:latin typeface="+mj-lt"/>
               </a:rPr>
-              <a:t>상태 변화에 따라 다른 그림 표시</a:t>
-            </a:r>
-          </a:p>
-          <a:p>
-            <a:pPr marL="342900" indent="-342900" algn="l">
-              <a:buFont typeface="Arial" panose="020B0604020202020204" pitchFamily="34" charset="0"/>
-              <a:buChar char="•"/>
-            </a:pPr>
-            <a:r>
-              <a:rPr lang="ko-KR" altLang="en-US" sz="1500" b="0" i="0" u="none" strike="noStrike" baseline="0" dirty="0" err="1">
+              <a:t>상대 메시지에 따른 </a:t>
+            </a:r>
+            <a:r>
+              <a:rPr lang="ko-KR" altLang="en-US" b="0" i="0" u="none" strike="noStrike" baseline="0" dirty="0" smtClean="0">
                 <a:solidFill>
                   <a:srgbClr val="000000"/>
                 </a:solidFill>
                 <a:latin typeface="+mj-lt"/>
               </a:rPr>
-              <a:t>텔레그램</a:t>
-            </a:r>
-            <a:r>
-              <a:rPr lang="ko-KR" altLang="en-US" sz="1500" b="0" i="0" u="none" strike="noStrike" baseline="0" dirty="0">
-                <a:solidFill>
-                  <a:srgbClr val="000000"/>
-                </a:solidFill>
-                <a:latin typeface="+mj-lt"/>
-              </a:rPr>
-              <a:t> 연동</a:t>
-            </a:r>
-            <a:r>
-              <a:rPr lang="en-US" altLang="ko-KR" sz="1500" b="0" i="0" u="none" strike="noStrike" baseline="0" dirty="0">
-                <a:solidFill>
-                  <a:srgbClr val="000000"/>
-                </a:solidFill>
-                <a:latin typeface="+mj-lt"/>
-              </a:rPr>
-              <a:t>:  </a:t>
-            </a:r>
-            <a:r>
-              <a:rPr lang="ko-KR" altLang="en-US" sz="1500" b="0" i="0" u="none" strike="noStrike" baseline="0" dirty="0">
-                <a:solidFill>
-                  <a:srgbClr val="000000"/>
-                </a:solidFill>
-                <a:latin typeface="+mj-lt"/>
-              </a:rPr>
-              <a:t>상대 메시지에 따른 응답</a:t>
-            </a:r>
-          </a:p>
-          <a:p>
-            <a:pPr marL="342900" indent="-342900" algn="l">
-              <a:buFont typeface="Arial" panose="020B0604020202020204" pitchFamily="34" charset="0"/>
-              <a:buChar char="•"/>
-            </a:pPr>
-            <a:r>
-              <a:rPr lang="en-US" altLang="ko-KR" sz="1500" b="0" i="0" u="none" strike="noStrike" baseline="0" dirty="0">
-                <a:solidFill>
-                  <a:srgbClr val="000000"/>
-                </a:solidFill>
-                <a:latin typeface="+mj-lt"/>
-              </a:rPr>
-              <a:t>git commit : (5/10~6/13 </a:t>
-            </a:r>
-            <a:r>
-              <a:rPr lang="ko-KR" altLang="en-US" sz="1500" b="0" i="0" u="none" strike="noStrike" baseline="0" dirty="0">
-                <a:solidFill>
-                  <a:srgbClr val="000000"/>
-                </a:solidFill>
-                <a:latin typeface="+mj-lt"/>
-              </a:rPr>
-              <a:t>매주 각 </a:t>
-            </a:r>
-            <a:r>
-              <a:rPr lang="ko-KR" altLang="en-US" sz="1500" b="0" i="0" u="none" strike="noStrike" baseline="0" dirty="0" err="1">
-                <a:solidFill>
-                  <a:srgbClr val="000000"/>
-                </a:solidFill>
-                <a:latin typeface="+mj-lt"/>
-              </a:rPr>
-              <a:t>팀원당</a:t>
-            </a:r>
-            <a:r>
-              <a:rPr lang="ko-KR" altLang="en-US" sz="1500" b="0" i="0" u="none" strike="noStrike" baseline="0" dirty="0">
-                <a:solidFill>
-                  <a:srgbClr val="000000"/>
-                </a:solidFill>
-                <a:latin typeface="+mj-lt"/>
-              </a:rPr>
-              <a:t> </a:t>
-            </a:r>
-            <a:r>
-              <a:rPr lang="en-US" altLang="ko-KR" sz="1500" b="0" i="0" u="none" strike="noStrike" baseline="0" dirty="0">
-                <a:solidFill>
-                  <a:srgbClr val="000000"/>
-                </a:solidFill>
-                <a:latin typeface="+mj-lt"/>
-              </a:rPr>
-              <a:t>2</a:t>
-            </a:r>
-            <a:r>
-              <a:rPr lang="ko-KR" altLang="en-US" sz="1500" b="0" i="0" u="none" strike="noStrike" baseline="0" dirty="0">
-                <a:solidFill>
-                  <a:srgbClr val="000000"/>
-                </a:solidFill>
-                <a:latin typeface="+mj-lt"/>
-              </a:rPr>
-              <a:t>회 이상 </a:t>
-            </a:r>
-            <a:r>
-              <a:rPr lang="en-US" altLang="ko-KR" sz="1500" b="0" i="0" u="none" strike="noStrike" baseline="0" dirty="0">
-                <a:solidFill>
-                  <a:srgbClr val="000000"/>
-                </a:solidFill>
-                <a:latin typeface="+mj-lt"/>
-              </a:rPr>
-              <a:t>commit)</a:t>
-            </a:r>
-          </a:p>
-          <a:p>
-            <a:pPr marL="342900" indent="-342900" algn="l">
-              <a:buFont typeface="Arial" panose="020B0604020202020204" pitchFamily="34" charset="0"/>
-              <a:buChar char="•"/>
-            </a:pPr>
-            <a:r>
-              <a:rPr lang="ko-KR" altLang="en-US" sz="1500" b="0" i="0" u="none" strike="noStrike" baseline="0" dirty="0">
-                <a:solidFill>
-                  <a:srgbClr val="000000"/>
-                </a:solidFill>
-                <a:latin typeface="+mj-lt"/>
-              </a:rPr>
-              <a:t>소스 정리 상태 </a:t>
-            </a:r>
-            <a:r>
-              <a:rPr lang="en-US" altLang="ko-KR" sz="1500" b="0" i="0" u="none" strike="noStrike" baseline="0" dirty="0">
-                <a:solidFill>
-                  <a:srgbClr val="000000"/>
-                </a:solidFill>
-                <a:latin typeface="+mj-lt"/>
-              </a:rPr>
-              <a:t>(</a:t>
-            </a:r>
-            <a:r>
-              <a:rPr lang="ko-KR" altLang="en-US" sz="1500" b="0" i="0" u="none" strike="noStrike" baseline="0" dirty="0">
-                <a:solidFill>
-                  <a:srgbClr val="000000"/>
-                </a:solidFill>
-                <a:latin typeface="+mj-lt"/>
-              </a:rPr>
-              <a:t>적절한 모듈화</a:t>
-            </a:r>
-            <a:r>
-              <a:rPr lang="en-US" altLang="ko-KR" sz="1500" b="0" i="0" u="none" strike="noStrike" baseline="0" dirty="0">
-                <a:solidFill>
-                  <a:srgbClr val="000000"/>
-                </a:solidFill>
-                <a:latin typeface="+mj-lt"/>
-              </a:rPr>
-              <a:t>, </a:t>
-            </a:r>
-            <a:r>
-              <a:rPr lang="ko-KR" altLang="en-US" sz="1500" b="0" i="0" u="none" strike="noStrike" baseline="0" dirty="0">
-                <a:solidFill>
-                  <a:srgbClr val="000000"/>
-                </a:solidFill>
-                <a:latin typeface="+mj-lt"/>
-              </a:rPr>
-              <a:t>클래스화</a:t>
-            </a:r>
-            <a:r>
-              <a:rPr lang="en-US" altLang="ko-KR" sz="1500" b="0" i="0" u="none" strike="noStrike" baseline="0" dirty="0">
-                <a:solidFill>
-                  <a:srgbClr val="000000"/>
-                </a:solidFill>
-                <a:latin typeface="+mj-lt"/>
-              </a:rPr>
-              <a:t>, </a:t>
-            </a:r>
-            <a:r>
-              <a:rPr lang="ko-KR" altLang="en-US" sz="1500" b="0" i="0" u="none" strike="noStrike" baseline="0" dirty="0">
-                <a:solidFill>
-                  <a:srgbClr val="000000"/>
-                </a:solidFill>
-                <a:latin typeface="+mj-lt"/>
-              </a:rPr>
-              <a:t>함수화</a:t>
-            </a:r>
-            <a:r>
-              <a:rPr lang="en-US" altLang="ko-KR" sz="1500" b="0" i="0" u="none" strike="noStrike" baseline="0" dirty="0">
-                <a:solidFill>
-                  <a:srgbClr val="000000"/>
-                </a:solidFill>
-                <a:latin typeface="+mj-lt"/>
-              </a:rPr>
-              <a:t>, (</a:t>
-            </a:r>
-            <a:r>
-              <a:rPr lang="ko-KR" altLang="en-US" sz="1500" b="0" i="0" u="none" strike="noStrike" baseline="0" dirty="0">
-                <a:solidFill>
-                  <a:srgbClr val="000000"/>
-                </a:solidFill>
-                <a:latin typeface="+mj-lt"/>
-              </a:rPr>
-              <a:t>프로젝트 </a:t>
-            </a:r>
-            <a:r>
-              <a:rPr lang="en-US" altLang="ko-KR" sz="1500" b="0" i="0" u="none" strike="noStrike" baseline="0" dirty="0">
-                <a:solidFill>
-                  <a:srgbClr val="000000"/>
-                </a:solidFill>
-                <a:latin typeface="+mj-lt"/>
-              </a:rPr>
-              <a:t>README</a:t>
-            </a:r>
-            <a:r>
-              <a:rPr lang="ko-KR" altLang="en-US" sz="1500" b="0" i="0" u="none" strike="noStrike" baseline="0" dirty="0">
-                <a:solidFill>
-                  <a:srgbClr val="000000"/>
-                </a:solidFill>
-                <a:latin typeface="+mj-lt"/>
-              </a:rPr>
-              <a:t>파일에 </a:t>
-            </a:r>
-            <a:r>
-              <a:rPr lang="ko-KR" altLang="en-US" sz="1500" b="0" i="0" u="none" strike="noStrike" baseline="0" dirty="0" err="1">
-                <a:solidFill>
-                  <a:srgbClr val="000000"/>
-                </a:solidFill>
-                <a:latin typeface="+mj-lt"/>
-              </a:rPr>
-              <a:t>모듈별</a:t>
-            </a:r>
-            <a:r>
-              <a:rPr lang="ko-KR" altLang="en-US" sz="1500" b="0" i="0" u="none" strike="noStrike" baseline="0" dirty="0">
-                <a:solidFill>
-                  <a:srgbClr val="000000"/>
-                </a:solidFill>
-                <a:latin typeface="+mj-lt"/>
-              </a:rPr>
-              <a:t> 간단한 설명</a:t>
-            </a:r>
-            <a:r>
-              <a:rPr lang="en-US" altLang="ko-KR" sz="1500" b="0" i="0" u="none" strike="noStrike" baseline="0" dirty="0">
-                <a:solidFill>
-                  <a:srgbClr val="000000"/>
-                </a:solidFill>
-                <a:latin typeface="+mj-lt"/>
-              </a:rPr>
-              <a:t>, </a:t>
-            </a:r>
-            <a:r>
-              <a:rPr lang="ko-KR" altLang="en-US" sz="1500" b="0" i="0" u="none" strike="noStrike" baseline="0" dirty="0">
-                <a:solidFill>
-                  <a:srgbClr val="000000"/>
-                </a:solidFill>
-                <a:latin typeface="+mj-lt"/>
-              </a:rPr>
-              <a:t>클래스별</a:t>
-            </a:r>
-            <a:r>
-              <a:rPr lang="en-US" altLang="ko-KR" sz="1500" b="0" i="0" u="none" strike="noStrike" baseline="0" dirty="0">
-                <a:solidFill>
-                  <a:srgbClr val="000000"/>
-                </a:solidFill>
-                <a:latin typeface="+mj-lt"/>
-              </a:rPr>
-              <a:t>, </a:t>
-            </a:r>
-            <a:r>
-              <a:rPr lang="ko-KR" altLang="en-US" sz="1500" b="0" i="0" u="none" strike="noStrike" baseline="0" dirty="0" err="1">
-                <a:solidFill>
-                  <a:srgbClr val="000000"/>
-                </a:solidFill>
-                <a:latin typeface="+mj-lt"/>
-              </a:rPr>
-              <a:t>함수별</a:t>
-            </a:r>
-            <a:r>
-              <a:rPr lang="en-US" altLang="ko-KR" sz="1500" dirty="0">
-                <a:solidFill>
-                  <a:srgbClr val="000000"/>
-                </a:solidFill>
-                <a:latin typeface="+mj-lt"/>
-              </a:rPr>
-              <a:t> </a:t>
-            </a:r>
-            <a:r>
-              <a:rPr lang="ko-KR" altLang="en-US" sz="1500" b="0" i="0" u="none" strike="noStrike" baseline="0" dirty="0">
-                <a:solidFill>
-                  <a:srgbClr val="000000"/>
-                </a:solidFill>
-                <a:latin typeface="+mj-lt"/>
-              </a:rPr>
-              <a:t>주석</a:t>
-            </a:r>
-            <a:r>
-              <a:rPr lang="en-US" altLang="ko-KR" sz="1500" b="0" i="0" u="none" strike="noStrike" baseline="0" dirty="0">
-                <a:solidFill>
-                  <a:srgbClr val="000000"/>
-                </a:solidFill>
-                <a:latin typeface="+mj-lt"/>
-              </a:rPr>
-              <a:t>)</a:t>
-            </a:r>
-          </a:p>
-          <a:p>
-            <a:pPr marL="342900" indent="-342900" algn="l">
-              <a:buFont typeface="Arial" panose="020B0604020202020204" pitchFamily="34" charset="0"/>
-              <a:buChar char="•"/>
-            </a:pPr>
-            <a:r>
-              <a:rPr lang="ko-KR" altLang="en-US" sz="1500" b="0" i="0" u="none" strike="noStrike" baseline="0" dirty="0">
-                <a:solidFill>
-                  <a:srgbClr val="000000"/>
-                </a:solidFill>
-                <a:latin typeface="+mj-lt"/>
-              </a:rPr>
-              <a:t>발표 </a:t>
-            </a:r>
-            <a:r>
-              <a:rPr lang="en-US" altLang="ko-KR" sz="1500" b="0" i="0" u="none" strike="noStrike" baseline="0" dirty="0">
-                <a:solidFill>
-                  <a:srgbClr val="000000"/>
-                </a:solidFill>
-                <a:latin typeface="+mj-lt"/>
-              </a:rPr>
-              <a:t>(3</a:t>
-            </a:r>
-            <a:r>
-              <a:rPr lang="ko-KR" altLang="en-US" sz="1500" b="0" i="0" u="none" strike="noStrike" baseline="0" dirty="0">
-                <a:solidFill>
-                  <a:srgbClr val="000000"/>
-                </a:solidFill>
-                <a:latin typeface="+mj-lt"/>
-              </a:rPr>
-              <a:t>회 각각 진도에 맞게 나가며 그에 따른 보고를 함</a:t>
-            </a:r>
-            <a:r>
-              <a:rPr lang="en-US" altLang="ko-KR" sz="1500" b="0" i="0" u="none" strike="noStrike" baseline="0" dirty="0">
-                <a:solidFill>
-                  <a:srgbClr val="000000"/>
-                </a:solidFill>
-                <a:latin typeface="+mj-lt"/>
-              </a:rPr>
-              <a:t>)</a:t>
-            </a:r>
-            <a:endParaRPr lang="ko-KR" altLang="en-US" sz="1500" dirty="0">
+              <a:t>응답</a:t>
+            </a:r>
+            <a:endParaRPr lang="ko-KR" altLang="en-US" b="0" i="0" u="none" strike="noStrike" baseline="0" dirty="0">
+              <a:solidFill>
+                <a:srgbClr val="000000"/>
+              </a:solidFill>
               <a:latin typeface="+mj-lt"/>
             </a:endParaRPr>
           </a:p>
@@ -14083,7 +13675,7 @@
           <p:cNvPr id="16" name="TextBox 15">
             <a:extLst>
               <a:ext uri="{FF2B5EF4-FFF2-40B4-BE49-F238E27FC236}">
-                <a16:creationId xmlns:a16="http://schemas.microsoft.com/office/drawing/2014/main" id="{CAE3671C-1C12-1C6F-0582-900E1BD858C2}"/>
+                <a16:creationId xmlns:a16="http://schemas.microsoft.com/office/drawing/2014/main" xmlns="" id="{CAE3671C-1C12-1C6F-0582-900E1BD858C2}"/>
               </a:ext>
             </a:extLst>
           </p:cNvPr>
@@ -14092,8 +13684,8 @@
         </p:nvSpPr>
         <p:spPr>
           <a:xfrm>
-            <a:off x="716512" y="5829471"/>
-            <a:ext cx="9373357" cy="553998"/>
+            <a:off x="645623" y="5367285"/>
+            <a:ext cx="9373357" cy="646331"/>
           </a:xfrm>
           <a:prstGeom prst="rect">
             <a:avLst/>
@@ -14111,24 +13703,24 @@
               <a:buChar char="•"/>
             </a:pPr>
             <a:r>
-              <a:rPr lang="ko-KR" altLang="en-US" sz="1500" dirty="0">
+              <a:rPr lang="ko-KR" altLang="en-US" dirty="0">
                 <a:latin typeface="+mj-lt"/>
               </a:rPr>
               <a:t>사이트 </a:t>
             </a:r>
             <a:r>
-              <a:rPr lang="ko-KR" altLang="en-US" sz="1500" dirty="0" err="1">
+              <a:rPr lang="ko-KR" altLang="en-US" dirty="0" err="1">
                 <a:latin typeface="+mj-lt"/>
               </a:rPr>
               <a:t>리다이렉션</a:t>
             </a:r>
             <a:r>
-              <a:rPr lang="ko-KR" altLang="en-US" sz="1500" dirty="0">
+              <a:rPr lang="ko-KR" altLang="en-US" dirty="0">
                 <a:latin typeface="+mj-lt"/>
               </a:rPr>
               <a:t> 기능 구현</a:t>
             </a:r>
-            <a:endParaRPr lang="en-US" altLang="ko-KR" sz="1500" dirty="0">
+            <a:endParaRPr lang="en-US" altLang="ko-KR" dirty="0">
               <a:latin typeface="+mj-lt"/>
             </a:endParaRPr>
           </a:p>
@@ -14138,7 +13730,7 @@
               <a:buChar char="•"/>
             </a:pPr>
             <a:r>
-              <a:rPr lang="ko-KR" altLang="en-US" sz="1500" dirty="0">
+              <a:rPr lang="ko-KR" altLang="en-US" dirty="0">
                 <a:latin typeface="+mj-lt"/>
               </a:rPr>
               <a:t>잘못된 입력에 대한 예외 처리 </a:t>
@@ -14151,7 +13743,7 @@
           <p:cNvPr id="17" name="사각형: 둥근 모서리 4">
             <a:extLst>
               <a:ext uri="{FF2B5EF4-FFF2-40B4-BE49-F238E27FC236}">
-                <a16:creationId xmlns:a16="http://schemas.microsoft.com/office/drawing/2014/main" id="{1A35373F-F35F-67D4-5B21-214E030517D4}"/>
+                <a16:creationId xmlns:a16="http://schemas.microsoft.com/office/drawing/2014/main" xmlns="" id="{1A35373F-F35F-67D4-5B21-214E030517D4}"/>
               </a:ext>
             </a:extLst>
           </p:cNvPr>
@@ -14216,7 +13808,7 @@
           <p:cNvPr id="18" name="사각형: 둥근 모서리 4">
             <a:extLst>
               <a:ext uri="{FF2B5EF4-FFF2-40B4-BE49-F238E27FC236}">
-                <a16:creationId xmlns:a16="http://schemas.microsoft.com/office/drawing/2014/main" id="{540B3BA6-4763-92DD-E4B2-5B91F232C481}"/>
+                <a16:creationId xmlns:a16="http://schemas.microsoft.com/office/drawing/2014/main" xmlns="" id="{540B3BA6-4763-92DD-E4B2-5B91F232C481}"/>
               </a:ext>
             </a:extLst>
           </p:cNvPr>
@@ -14225,7 +13817,7 @@
         </p:nvSpPr>
         <p:spPr>
           <a:xfrm>
-            <a:off x="670009" y="5440367"/>
+            <a:off x="716512" y="4845401"/>
             <a:ext cx="3365544" cy="321899"/>
           </a:xfrm>
           <a:prstGeom prst="roundRect">
@@ -14830,7 +14422,7 @@
           <p:cNvPr id="87" name="사각형: 둥근 모서리 4">
             <a:extLst>
               <a:ext uri="{FF2B5EF4-FFF2-40B4-BE49-F238E27FC236}">
-                <a16:creationId xmlns:a16="http://schemas.microsoft.com/office/drawing/2014/main" id="{ABC0E14A-3394-B428-5DF8-6934FA3A4852}"/>
+                <a16:creationId xmlns:a16="http://schemas.microsoft.com/office/drawing/2014/main" xmlns="" id="{ABC0E14A-3394-B428-5DF8-6934FA3A4852}"/>
               </a:ext>
             </a:extLst>
           </p:cNvPr>
@@ -14916,6 +14508,36 @@
           </a:p>
         </p:txBody>
       </p:sp>
+      <p:pic>
+        <p:nvPicPr>
+          <p:cNvPr id="2" name="그림 1"/>
+          <p:cNvPicPr>
+            <a:picLocks noChangeAspect="1"/>
+          </p:cNvPicPr>
+          <p:nvPr/>
+        </p:nvPicPr>
+        <p:blipFill>
+          <a:blip r:embed="rId2">
+            <a:extLst>
+              <a:ext uri="{28A0092B-C50C-407E-A947-70E740481C1C}">
+                <a14:useLocalDpi xmlns:a14="http://schemas.microsoft.com/office/drawing/2010/main" val="0"/>
+              </a:ext>
+            </a:extLst>
+          </a:blip>
+          <a:stretch>
+            <a:fillRect/>
+          </a:stretch>
+        </p:blipFill>
+        <p:spPr>
+          <a:xfrm>
+            <a:off x="173122" y="1936019"/>
+            <a:ext cx="11854120" cy="3407460"/>
+          </a:xfrm>
+          <a:prstGeom prst="rect">
+            <a:avLst/>
+          </a:prstGeom>
+        </p:spPr>
+      </p:pic>
     </p:spTree>
     <p:extLst>
       <p:ext uri="{BB962C8B-B14F-4D97-AF65-F5344CB8AC3E}">
@@ -14954,7 +14576,7 @@
         </p:nvSpPr>
         <p:spPr>
           <a:xfrm>
-            <a:off x="374650" y="590552"/>
+            <a:off x="374650" y="614365"/>
             <a:ext cx="11442700" cy="6089648"/>
           </a:xfrm>
           <a:prstGeom prst="roundRect">
@@ -15470,7 +15092,7 @@
           <p:cNvPr id="87" name="사각형: 둥근 모서리 4">
             <a:extLst>
               <a:ext uri="{FF2B5EF4-FFF2-40B4-BE49-F238E27FC236}">
-                <a16:creationId xmlns:a16="http://schemas.microsoft.com/office/drawing/2014/main" id="{ABC0E14A-3394-B428-5DF8-6934FA3A4852}"/>
+                <a16:creationId xmlns:a16="http://schemas.microsoft.com/office/drawing/2014/main" xmlns="" id="{ABC0E14A-3394-B428-5DF8-6934FA3A4852}"/>
               </a:ext>
             </a:extLst>
           </p:cNvPr>
